--- a/Hauber_poster_presentation/Hauber Presentation 7.25.pptx
+++ b/Hauber_poster_presentation/Hauber Presentation 7.25.pptx
@@ -151,7 +151,20 @@
       </a:defRPr>
     </a:lvl9pPr>
   </p:defaultTextStyle>
+  <p:extLst>
+    <p:ext uri="{EFAFB233-063F-42B5-8137-9DF3F51BA10A}">
+      <p15:sldGuideLst xmlns:p15="http://schemas.microsoft.com/office/powerpoint/2012/main"/>
+    </p:ext>
+  </p:extLst>
 </p:presentation>
+</file>
+
+<file path=ppt/revisionInfo.xml><?xml version="1.0" encoding="utf-8"?>
+<p1510:revInfo xmlns:a="http://schemas.openxmlformats.org/drawingml/2006/main" xmlns:r="http://schemas.openxmlformats.org/officeDocument/2006/relationships" xmlns:p1510="http://schemas.microsoft.com/office/powerpoint/2015/10/main">
+  <p1510:revLst>
+    <p1510:client id="{0ED29C1A-ED85-452B-B7FF-4BDDBC98065E}" v="98" dt="2024-07-25T19:40:17.979"/>
+  </p1510:revLst>
+</p1510:revInfo>
 </file>
 
 <file path=ppt/slideLayouts/slideLayout1.xml><?xml version="1.0" encoding="utf-8"?>
@@ -301,7 +314,7 @@
           <a:p>
             <a:fld id="{EFDA251A-6CC2-4973-968E-368270976E57}" type="datetimeFigureOut">
               <a:rPr lang="en-US" smtClean="0"/>
-              <a:t>7/22/2024</a:t>
+              <a:t>7/25/2024</a:t>
             </a:fld>
             <a:endParaRPr lang="en-US"/>
           </a:p>
@@ -371,13 +384,13 @@
   <p:clrMapOvr>
     <a:masterClrMapping/>
   </p:clrMapOvr>
-  <mc:AlternateContent xmlns:mc="http://schemas.openxmlformats.org/markup-compatibility/2006">
-    <mc:Choice xmlns:p14="http://schemas.microsoft.com/office/powerpoint/2010/main" Requires="p14">
+  <mc:AlternateContent xmlns:mc="http://schemas.openxmlformats.org/markup-compatibility/2006" xmlns:p14="http://schemas.microsoft.com/office/powerpoint/2010/main">
+    <mc:Choice Requires="p14">
       <p:transition spd="med" p14:dur="700">
         <p:fade/>
       </p:transition>
     </mc:Choice>
-    <mc:Fallback>
+    <mc:Fallback xmlns="">
       <p:transition spd="med">
         <p:fade/>
       </p:transition>
@@ -511,7 +524,7 @@
           <a:p>
             <a:fld id="{EFDA251A-6CC2-4973-968E-368270976E57}" type="datetimeFigureOut">
               <a:rPr lang="en-US" smtClean="0"/>
-              <a:t>7/22/2024</a:t>
+              <a:t>7/25/2024</a:t>
             </a:fld>
             <a:endParaRPr lang="en-US"/>
           </a:p>
@@ -581,13 +594,13 @@
   <p:clrMapOvr>
     <a:masterClrMapping/>
   </p:clrMapOvr>
-  <mc:AlternateContent xmlns:mc="http://schemas.openxmlformats.org/markup-compatibility/2006">
-    <mc:Choice xmlns:p14="http://schemas.microsoft.com/office/powerpoint/2010/main" Requires="p14">
+  <mc:AlternateContent xmlns:mc="http://schemas.openxmlformats.org/markup-compatibility/2006" xmlns:p14="http://schemas.microsoft.com/office/powerpoint/2010/main">
+    <mc:Choice Requires="p14">
       <p:transition spd="med" p14:dur="700">
         <p:fade/>
       </p:transition>
     </mc:Choice>
-    <mc:Fallback>
+    <mc:Fallback xmlns="">
       <p:transition spd="med">
         <p:fade/>
       </p:transition>
@@ -731,7 +744,7 @@
           <a:p>
             <a:fld id="{EFDA251A-6CC2-4973-968E-368270976E57}" type="datetimeFigureOut">
               <a:rPr lang="en-US" smtClean="0"/>
-              <a:t>7/22/2024</a:t>
+              <a:t>7/25/2024</a:t>
             </a:fld>
             <a:endParaRPr lang="en-US"/>
           </a:p>
@@ -801,13 +814,13 @@
   <p:clrMapOvr>
     <a:masterClrMapping/>
   </p:clrMapOvr>
-  <mc:AlternateContent xmlns:mc="http://schemas.openxmlformats.org/markup-compatibility/2006">
-    <mc:Choice xmlns:p14="http://schemas.microsoft.com/office/powerpoint/2010/main" Requires="p14">
+  <mc:AlternateContent xmlns:mc="http://schemas.openxmlformats.org/markup-compatibility/2006" xmlns:p14="http://schemas.microsoft.com/office/powerpoint/2010/main">
+    <mc:Choice Requires="p14">
       <p:transition spd="med" p14:dur="700">
         <p:fade/>
       </p:transition>
     </mc:Choice>
-    <mc:Fallback>
+    <mc:Fallback xmlns="">
       <p:transition spd="med">
         <p:fade/>
       </p:transition>
@@ -941,7 +954,7 @@
           <a:p>
             <a:fld id="{EFDA251A-6CC2-4973-968E-368270976E57}" type="datetimeFigureOut">
               <a:rPr lang="en-US" smtClean="0"/>
-              <a:t>7/22/2024</a:t>
+              <a:t>7/25/2024</a:t>
             </a:fld>
             <a:endParaRPr lang="en-US"/>
           </a:p>
@@ -1011,13 +1024,13 @@
   <p:clrMapOvr>
     <a:masterClrMapping/>
   </p:clrMapOvr>
-  <mc:AlternateContent xmlns:mc="http://schemas.openxmlformats.org/markup-compatibility/2006">
-    <mc:Choice xmlns:p14="http://schemas.microsoft.com/office/powerpoint/2010/main" Requires="p14">
+  <mc:AlternateContent xmlns:mc="http://schemas.openxmlformats.org/markup-compatibility/2006" xmlns:p14="http://schemas.microsoft.com/office/powerpoint/2010/main">
+    <mc:Choice Requires="p14">
       <p:transition spd="med" p14:dur="700">
         <p:fade/>
       </p:transition>
     </mc:Choice>
-    <mc:Fallback>
+    <mc:Fallback xmlns="">
       <p:transition spd="med">
         <p:fade/>
       </p:transition>
@@ -1228,7 +1241,7 @@
           <a:p>
             <a:fld id="{EFDA251A-6CC2-4973-968E-368270976E57}" type="datetimeFigureOut">
               <a:rPr lang="en-US" smtClean="0"/>
-              <a:t>7/22/2024</a:t>
+              <a:t>7/25/2024</a:t>
             </a:fld>
             <a:endParaRPr lang="en-US"/>
           </a:p>
@@ -1298,13 +1311,13 @@
   <p:clrMapOvr>
     <a:masterClrMapping/>
   </p:clrMapOvr>
-  <mc:AlternateContent xmlns:mc="http://schemas.openxmlformats.org/markup-compatibility/2006">
-    <mc:Choice xmlns:p14="http://schemas.microsoft.com/office/powerpoint/2010/main" Requires="p14">
+  <mc:AlternateContent xmlns:mc="http://schemas.openxmlformats.org/markup-compatibility/2006" xmlns:p14="http://schemas.microsoft.com/office/powerpoint/2010/main">
+    <mc:Choice Requires="p14">
       <p:transition spd="med" p14:dur="700">
         <p:fade/>
       </p:transition>
     </mc:Choice>
-    <mc:Fallback>
+    <mc:Fallback xmlns="">
       <p:transition spd="med">
         <p:fade/>
       </p:transition>
@@ -1505,7 +1518,7 @@
           <a:p>
             <a:fld id="{EFDA251A-6CC2-4973-968E-368270976E57}" type="datetimeFigureOut">
               <a:rPr lang="en-US" smtClean="0"/>
-              <a:t>7/22/2024</a:t>
+              <a:t>7/25/2024</a:t>
             </a:fld>
             <a:endParaRPr lang="en-US"/>
           </a:p>
@@ -1575,13 +1588,13 @@
   <p:clrMapOvr>
     <a:masterClrMapping/>
   </p:clrMapOvr>
-  <mc:AlternateContent xmlns:mc="http://schemas.openxmlformats.org/markup-compatibility/2006">
-    <mc:Choice xmlns:p14="http://schemas.microsoft.com/office/powerpoint/2010/main" Requires="p14">
+  <mc:AlternateContent xmlns:mc="http://schemas.openxmlformats.org/markup-compatibility/2006" xmlns:p14="http://schemas.microsoft.com/office/powerpoint/2010/main">
+    <mc:Choice Requires="p14">
       <p:transition spd="med" p14:dur="700">
         <p:fade/>
       </p:transition>
     </mc:Choice>
-    <mc:Fallback>
+    <mc:Fallback xmlns="">
       <p:transition spd="med">
         <p:fade/>
       </p:transition>
@@ -1929,7 +1942,7 @@
           <a:p>
             <a:fld id="{EFDA251A-6CC2-4973-968E-368270976E57}" type="datetimeFigureOut">
               <a:rPr lang="en-US" smtClean="0"/>
-              <a:t>7/22/2024</a:t>
+              <a:t>7/25/2024</a:t>
             </a:fld>
             <a:endParaRPr lang="en-US"/>
           </a:p>
@@ -1999,13 +2012,13 @@
   <p:clrMapOvr>
     <a:masterClrMapping/>
   </p:clrMapOvr>
-  <mc:AlternateContent xmlns:mc="http://schemas.openxmlformats.org/markup-compatibility/2006">
-    <mc:Choice xmlns:p14="http://schemas.microsoft.com/office/powerpoint/2010/main" Requires="p14">
+  <mc:AlternateContent xmlns:mc="http://schemas.openxmlformats.org/markup-compatibility/2006" xmlns:p14="http://schemas.microsoft.com/office/powerpoint/2010/main">
+    <mc:Choice Requires="p14">
       <p:transition spd="med" p14:dur="700">
         <p:fade/>
       </p:transition>
     </mc:Choice>
-    <mc:Fallback>
+    <mc:Fallback xmlns="">
       <p:transition spd="med">
         <p:fade/>
       </p:transition>
@@ -2082,7 +2095,7 @@
           <a:p>
             <a:fld id="{EFDA251A-6CC2-4973-968E-368270976E57}" type="datetimeFigureOut">
               <a:rPr lang="en-US" smtClean="0"/>
-              <a:t>7/22/2024</a:t>
+              <a:t>7/25/2024</a:t>
             </a:fld>
             <a:endParaRPr lang="en-US"/>
           </a:p>
@@ -2152,13 +2165,13 @@
   <p:clrMapOvr>
     <a:masterClrMapping/>
   </p:clrMapOvr>
-  <mc:AlternateContent xmlns:mc="http://schemas.openxmlformats.org/markup-compatibility/2006">
-    <mc:Choice xmlns:p14="http://schemas.microsoft.com/office/powerpoint/2010/main" Requires="p14">
+  <mc:AlternateContent xmlns:mc="http://schemas.openxmlformats.org/markup-compatibility/2006" xmlns:p14="http://schemas.microsoft.com/office/powerpoint/2010/main">
+    <mc:Choice Requires="p14">
       <p:transition spd="med" p14:dur="700">
         <p:fade/>
       </p:transition>
     </mc:Choice>
-    <mc:Fallback>
+    <mc:Fallback xmlns="">
       <p:transition spd="med">
         <p:fade/>
       </p:transition>
@@ -2207,7 +2220,7 @@
           <a:p>
             <a:fld id="{EFDA251A-6CC2-4973-968E-368270976E57}" type="datetimeFigureOut">
               <a:rPr lang="en-US" smtClean="0"/>
-              <a:t>7/22/2024</a:t>
+              <a:t>7/25/2024</a:t>
             </a:fld>
             <a:endParaRPr lang="en-US"/>
           </a:p>
@@ -2277,13 +2290,13 @@
   <p:clrMapOvr>
     <a:masterClrMapping/>
   </p:clrMapOvr>
-  <mc:AlternateContent xmlns:mc="http://schemas.openxmlformats.org/markup-compatibility/2006">
-    <mc:Choice xmlns:p14="http://schemas.microsoft.com/office/powerpoint/2010/main" Requires="p14">
+  <mc:AlternateContent xmlns:mc="http://schemas.openxmlformats.org/markup-compatibility/2006" xmlns:p14="http://schemas.microsoft.com/office/powerpoint/2010/main">
+    <mc:Choice Requires="p14">
       <p:transition spd="med" p14:dur="700">
         <p:fade/>
       </p:transition>
     </mc:Choice>
-    <mc:Fallback>
+    <mc:Fallback xmlns="">
       <p:transition spd="med">
         <p:fade/>
       </p:transition>
@@ -2530,7 +2543,7 @@
           <a:p>
             <a:fld id="{EFDA251A-6CC2-4973-968E-368270976E57}" type="datetimeFigureOut">
               <a:rPr lang="en-US" smtClean="0"/>
-              <a:t>7/22/2024</a:t>
+              <a:t>7/25/2024</a:t>
             </a:fld>
             <a:endParaRPr lang="en-US"/>
           </a:p>
@@ -2600,13 +2613,13 @@
   <p:clrMapOvr>
     <a:masterClrMapping/>
   </p:clrMapOvr>
-  <mc:AlternateContent xmlns:mc="http://schemas.openxmlformats.org/markup-compatibility/2006">
-    <mc:Choice xmlns:p14="http://schemas.microsoft.com/office/powerpoint/2010/main" Requires="p14">
+  <mc:AlternateContent xmlns:mc="http://schemas.openxmlformats.org/markup-compatibility/2006" xmlns:p14="http://schemas.microsoft.com/office/powerpoint/2010/main">
+    <mc:Choice Requires="p14">
       <p:transition spd="med" p14:dur="700">
         <p:fade/>
       </p:transition>
     </mc:Choice>
-    <mc:Fallback>
+    <mc:Fallback xmlns="">
       <p:transition spd="med">
         <p:fade/>
       </p:transition>
@@ -2830,7 +2843,7 @@
           <a:p>
             <a:fld id="{EFDA251A-6CC2-4973-968E-368270976E57}" type="datetimeFigureOut">
               <a:rPr lang="en-US" smtClean="0"/>
-              <a:t>7/22/2024</a:t>
+              <a:t>7/25/2024</a:t>
             </a:fld>
             <a:endParaRPr lang="en-US"/>
           </a:p>
@@ -2900,13 +2913,13 @@
   <p:clrMapOvr>
     <a:masterClrMapping/>
   </p:clrMapOvr>
-  <mc:AlternateContent xmlns:mc="http://schemas.openxmlformats.org/markup-compatibility/2006">
-    <mc:Choice xmlns:p14="http://schemas.microsoft.com/office/powerpoint/2010/main" Requires="p14">
+  <mc:AlternateContent xmlns:mc="http://schemas.openxmlformats.org/markup-compatibility/2006" xmlns:p14="http://schemas.microsoft.com/office/powerpoint/2010/main">
+    <mc:Choice Requires="p14">
       <p:transition spd="med" p14:dur="700">
         <p:fade/>
       </p:transition>
     </mc:Choice>
-    <mc:Fallback>
+    <mc:Fallback xmlns="">
       <p:transition spd="med">
         <p:fade/>
       </p:transition>
@@ -2919,9 +2932,18 @@
 <p:sldMaster xmlns:a="http://schemas.openxmlformats.org/drawingml/2006/main" xmlns:r="http://schemas.openxmlformats.org/officeDocument/2006/relationships" xmlns:p="http://schemas.openxmlformats.org/presentationml/2006/main">
   <p:cSld>
     <p:bg>
-      <p:bgRef idx="1001">
-        <a:schemeClr val="bg1"/>
-      </p:bgRef>
+      <p:bgPr>
+        <a:blipFill dpi="0" rotWithShape="1">
+          <a:blip r:embed="rId13">
+            <a:lum/>
+          </a:blip>
+          <a:srcRect/>
+          <a:stretch>
+            <a:fillRect/>
+          </a:stretch>
+        </a:blipFill>
+        <a:effectLst/>
+      </p:bgPr>
     </p:bg>
     <p:spTree>
       <p:nvGrpSpPr>
@@ -3083,7 +3105,7 @@
           <a:p>
             <a:fld id="{EFDA251A-6CC2-4973-968E-368270976E57}" type="datetimeFigureOut">
               <a:rPr lang="en-US" smtClean="0"/>
-              <a:t>7/22/2024</a:t>
+              <a:t>7/25/2024</a:t>
             </a:fld>
             <a:endParaRPr lang="en-US"/>
           </a:p>
@@ -3200,13 +3222,13 @@
     <p:sldLayoutId id="2147483658" r:id="rId10"/>
     <p:sldLayoutId id="2147483659" r:id="rId11"/>
   </p:sldLayoutIdLst>
-  <mc:AlternateContent xmlns:mc="http://schemas.openxmlformats.org/markup-compatibility/2006">
-    <mc:Choice xmlns:p14="http://schemas.microsoft.com/office/powerpoint/2010/main" Requires="p14">
+  <mc:AlternateContent xmlns:mc="http://schemas.openxmlformats.org/markup-compatibility/2006" xmlns:p14="http://schemas.microsoft.com/office/powerpoint/2010/main">
+    <mc:Choice Requires="p14">
       <p:transition spd="med" p14:dur="700">
         <p:fade/>
       </p:transition>
     </mc:Choice>
-    <mc:Fallback>
+    <mc:Fallback xmlns="">
       <p:transition spd="med">
         <p:fade/>
       </p:transition>
@@ -3498,6 +3520,20 @@
 <file path=ppt/slides/slide1.xml><?xml version="1.0" encoding="utf-8"?>
 <p:sld xmlns:a="http://schemas.openxmlformats.org/drawingml/2006/main" xmlns:r="http://schemas.openxmlformats.org/officeDocument/2006/relationships" xmlns:p="http://schemas.openxmlformats.org/presentationml/2006/main">
   <p:cSld>
+    <p:bg>
+      <p:bgPr>
+        <a:blipFill dpi="0" rotWithShape="1">
+          <a:blip r:embed="rId2">
+            <a:lum/>
+          </a:blip>
+          <a:srcRect/>
+          <a:stretch>
+            <a:fillRect/>
+          </a:stretch>
+        </a:blipFill>
+        <a:effectLst/>
+      </p:bgPr>
+    </p:bg>
     <p:spTree>
       <p:nvGrpSpPr>
         <p:cNvPr id="1" name=""/>
@@ -3530,8 +3566,8 @@
         </p:nvSpPr>
         <p:spPr>
           <a:xfrm>
-            <a:off x="1524000" y="1698096"/>
-            <a:ext cx="9144000" cy="2387600"/>
+            <a:off x="1524000" y="1024467"/>
+            <a:ext cx="9144000" cy="3061229"/>
           </a:xfrm>
         </p:spPr>
         <p:txBody>
@@ -3604,13 +3640,13 @@
   <p:clrMapOvr>
     <a:masterClrMapping/>
   </p:clrMapOvr>
-  <mc:AlternateContent xmlns:mc="http://schemas.openxmlformats.org/markup-compatibility/2006">
-    <mc:Choice xmlns:p14="http://schemas.microsoft.com/office/powerpoint/2010/main" Requires="p14">
+  <mc:AlternateContent xmlns:mc="http://schemas.openxmlformats.org/markup-compatibility/2006" xmlns:p14="http://schemas.microsoft.com/office/powerpoint/2010/main">
+    <mc:Choice Requires="p14">
       <p:transition spd="med" p14:dur="700">
         <p:fade/>
       </p:transition>
     </mc:Choice>
-    <mc:Fallback>
+    <mc:Fallback xmlns="">
       <p:transition spd="med">
         <p:fade/>
       </p:transition>
@@ -3699,13 +3735,13 @@
   <p:clrMapOvr>
     <a:masterClrMapping/>
   </p:clrMapOvr>
-  <mc:AlternateContent xmlns:mc="http://schemas.openxmlformats.org/markup-compatibility/2006">
-    <mc:Choice xmlns:p14="http://schemas.microsoft.com/office/powerpoint/2010/main" Requires="p14">
+  <mc:AlternateContent xmlns:mc="http://schemas.openxmlformats.org/markup-compatibility/2006" xmlns:p14="http://schemas.microsoft.com/office/powerpoint/2010/main">
+    <mc:Choice Requires="p14">
       <p:transition spd="med" p14:dur="700">
         <p:fade/>
       </p:transition>
     </mc:Choice>
-    <mc:Fallback>
+    <mc:Fallback xmlns="">
       <p:transition spd="med">
         <p:fade/>
       </p:transition>
@@ -3717,6 +3753,20 @@
 <file path=ppt/slides/slide11.xml><?xml version="1.0" encoding="utf-8"?>
 <p:sld xmlns:a="http://schemas.openxmlformats.org/drawingml/2006/main" xmlns:r="http://schemas.openxmlformats.org/officeDocument/2006/relationships" xmlns:p="http://schemas.openxmlformats.org/presentationml/2006/main">
   <p:cSld>
+    <p:bg>
+      <p:bgPr>
+        <a:blipFill dpi="0" rotWithShape="1">
+          <a:blip r:embed="rId2">
+            <a:lum/>
+          </a:blip>
+          <a:srcRect/>
+          <a:stretch>
+            <a:fillRect/>
+          </a:stretch>
+        </a:blipFill>
+        <a:effectLst/>
+      </p:bgPr>
+    </p:bg>
     <p:spTree>
       <p:nvGrpSpPr>
         <p:cNvPr id="1" name=""/>
@@ -3806,13 +3856,13 @@
   <p:clrMapOvr>
     <a:masterClrMapping/>
   </p:clrMapOvr>
-  <mc:AlternateContent xmlns:mc="http://schemas.openxmlformats.org/markup-compatibility/2006">
-    <mc:Choice xmlns:p14="http://schemas.microsoft.com/office/powerpoint/2010/main" Requires="p14">
+  <mc:AlternateContent xmlns:mc="http://schemas.openxmlformats.org/markup-compatibility/2006" xmlns:p14="http://schemas.microsoft.com/office/powerpoint/2010/main">
+    <mc:Choice Requires="p14">
       <p:transition spd="med" p14:dur="700">
         <p:fade/>
       </p:transition>
     </mc:Choice>
-    <mc:Fallback>
+    <mc:Fallback xmlns="">
       <p:transition spd="med">
         <p:fade/>
       </p:transition>
@@ -3824,6 +3874,20 @@
 <file path=ppt/slides/slide12.xml><?xml version="1.0" encoding="utf-8"?>
 <p:sld xmlns:a="http://schemas.openxmlformats.org/drawingml/2006/main" xmlns:r="http://schemas.openxmlformats.org/officeDocument/2006/relationships" xmlns:p="http://schemas.openxmlformats.org/presentationml/2006/main">
   <p:cSld>
+    <p:bg>
+      <p:bgPr>
+        <a:blipFill dpi="0" rotWithShape="1">
+          <a:blip r:embed="rId2">
+            <a:lum/>
+          </a:blip>
+          <a:srcRect/>
+          <a:stretch>
+            <a:fillRect/>
+          </a:stretch>
+        </a:blipFill>
+        <a:effectLst/>
+      </p:bgPr>
+    </p:bg>
     <p:spTree>
       <p:nvGrpSpPr>
         <p:cNvPr id="1" name=""/>
@@ -3917,13 +3981,13 @@
   <p:clrMapOvr>
     <a:masterClrMapping/>
   </p:clrMapOvr>
-  <mc:AlternateContent xmlns:mc="http://schemas.openxmlformats.org/markup-compatibility/2006">
-    <mc:Choice xmlns:p14="http://schemas.microsoft.com/office/powerpoint/2010/main" Requires="p14">
+  <mc:AlternateContent xmlns:mc="http://schemas.openxmlformats.org/markup-compatibility/2006" xmlns:p14="http://schemas.microsoft.com/office/powerpoint/2010/main">
+    <mc:Choice Requires="p14">
       <p:transition spd="med" p14:dur="700">
         <p:fade/>
       </p:transition>
     </mc:Choice>
-    <mc:Fallback>
+    <mc:Fallback xmlns="">
       <p:transition spd="med">
         <p:fade/>
       </p:transition>
@@ -3935,6 +3999,20 @@
 <file path=ppt/slides/slide13.xml><?xml version="1.0" encoding="utf-8"?>
 <p:sld xmlns:a="http://schemas.openxmlformats.org/drawingml/2006/main" xmlns:r="http://schemas.openxmlformats.org/officeDocument/2006/relationships" xmlns:p="http://schemas.openxmlformats.org/presentationml/2006/main">
   <p:cSld>
+    <p:bg>
+      <p:bgPr>
+        <a:blipFill dpi="0" rotWithShape="1">
+          <a:blip r:embed="rId2">
+            <a:lum/>
+          </a:blip>
+          <a:srcRect/>
+          <a:stretch>
+            <a:fillRect/>
+          </a:stretch>
+        </a:blipFill>
+        <a:effectLst/>
+      </p:bgPr>
+    </p:bg>
     <p:spTree>
       <p:nvGrpSpPr>
         <p:cNvPr id="1" name=""/>
@@ -3992,7 +4070,7 @@
           <p:nvPr/>
         </p:nvPicPr>
         <p:blipFill>
-          <a:blip r:embed="rId2"/>
+          <a:blip r:embed="rId3"/>
           <a:stretch>
             <a:fillRect/>
           </a:stretch>
@@ -4017,13 +4095,13 @@
   <p:clrMapOvr>
     <a:masterClrMapping/>
   </p:clrMapOvr>
-  <mc:AlternateContent xmlns:mc="http://schemas.openxmlformats.org/markup-compatibility/2006">
-    <mc:Choice xmlns:p14="http://schemas.microsoft.com/office/powerpoint/2010/main" Requires="p14">
+  <mc:AlternateContent xmlns:mc="http://schemas.openxmlformats.org/markup-compatibility/2006" xmlns:p14="http://schemas.microsoft.com/office/powerpoint/2010/main">
+    <mc:Choice Requires="p14">
       <p:transition spd="med" p14:dur="700">
         <p:fade/>
       </p:transition>
     </mc:Choice>
-    <mc:Fallback>
+    <mc:Fallback xmlns="">
       <p:transition spd="med">
         <p:fade/>
       </p:transition>
@@ -4139,13 +4217,13 @@
   <p:clrMapOvr>
     <a:masterClrMapping/>
   </p:clrMapOvr>
-  <mc:AlternateContent xmlns:mc="http://schemas.openxmlformats.org/markup-compatibility/2006">
-    <mc:Choice xmlns:p14="http://schemas.microsoft.com/office/powerpoint/2010/main" Requires="p14">
+  <mc:AlternateContent xmlns:mc="http://schemas.openxmlformats.org/markup-compatibility/2006" xmlns:p14="http://schemas.microsoft.com/office/powerpoint/2010/main">
+    <mc:Choice Requires="p14">
       <p:transition spd="med" p14:dur="700">
         <p:fade/>
       </p:transition>
     </mc:Choice>
-    <mc:Fallback>
+    <mc:Fallback xmlns="">
       <p:transition spd="med">
         <p:fade/>
       </p:transition>
@@ -4157,6 +4235,20 @@
 <file path=ppt/slides/slide15.xml><?xml version="1.0" encoding="utf-8"?>
 <p:sld xmlns:a="http://schemas.openxmlformats.org/drawingml/2006/main" xmlns:r="http://schemas.openxmlformats.org/officeDocument/2006/relationships" xmlns:p="http://schemas.openxmlformats.org/presentationml/2006/main">
   <p:cSld>
+    <p:bg>
+      <p:bgPr>
+        <a:blipFill dpi="0" rotWithShape="1">
+          <a:blip r:embed="rId2">
+            <a:lum/>
+          </a:blip>
+          <a:srcRect/>
+          <a:stretch>
+            <a:fillRect/>
+          </a:stretch>
+        </a:blipFill>
+        <a:effectLst/>
+      </p:bgPr>
+    </p:bg>
     <p:spTree>
       <p:nvGrpSpPr>
         <p:cNvPr id="1" name=""/>
@@ -4236,7 +4328,7 @@
           <p:nvPr/>
         </p:nvPicPr>
         <p:blipFill>
-          <a:blip r:embed="rId2"/>
+          <a:blip r:embed="rId3"/>
           <a:stretch>
             <a:fillRect/>
           </a:stretch>
@@ -4261,13 +4353,13 @@
   <p:clrMapOvr>
     <a:masterClrMapping/>
   </p:clrMapOvr>
-  <mc:AlternateContent xmlns:mc="http://schemas.openxmlformats.org/markup-compatibility/2006">
-    <mc:Choice xmlns:p14="http://schemas.microsoft.com/office/powerpoint/2010/main" Requires="p14">
+  <mc:AlternateContent xmlns:mc="http://schemas.openxmlformats.org/markup-compatibility/2006" xmlns:p14="http://schemas.microsoft.com/office/powerpoint/2010/main">
+    <mc:Choice Requires="p14">
       <p:transition spd="med" p14:dur="700">
         <p:fade/>
       </p:transition>
     </mc:Choice>
-    <mc:Fallback>
+    <mc:Fallback xmlns="">
       <p:transition spd="med">
         <p:fade/>
       </p:transition>
@@ -4279,6 +4371,20 @@
 <file path=ppt/slides/slide16.xml><?xml version="1.0" encoding="utf-8"?>
 <p:sld xmlns:a="http://schemas.openxmlformats.org/drawingml/2006/main" xmlns:r="http://schemas.openxmlformats.org/officeDocument/2006/relationships" xmlns:p="http://schemas.openxmlformats.org/presentationml/2006/main">
   <p:cSld>
+    <p:bg>
+      <p:bgPr>
+        <a:blipFill dpi="0" rotWithShape="1">
+          <a:blip r:embed="rId2">
+            <a:lum/>
+          </a:blip>
+          <a:srcRect/>
+          <a:stretch>
+            <a:fillRect/>
+          </a:stretch>
+        </a:blipFill>
+        <a:effectLst/>
+      </p:bgPr>
+    </p:bg>
     <p:spTree>
       <p:nvGrpSpPr>
         <p:cNvPr id="1" name=""/>
@@ -4333,7 +4439,7 @@
           <p:nvPr/>
         </p:nvPicPr>
         <p:blipFill>
-          <a:blip r:embed="rId2">
+          <a:blip r:embed="rId3">
             <a:extLst>
               <a:ext uri="{28A0092B-C50C-407E-A947-70E740481C1C}">
                 <a14:useLocalDpi xmlns:a14="http://schemas.microsoft.com/office/drawing/2010/main" val="0"/>
@@ -4375,13 +4481,13 @@
   <p:clrMapOvr>
     <a:masterClrMapping/>
   </p:clrMapOvr>
-  <mc:AlternateContent xmlns:mc="http://schemas.openxmlformats.org/markup-compatibility/2006">
-    <mc:Choice xmlns:p14="http://schemas.microsoft.com/office/powerpoint/2010/main" Requires="p14">
+  <mc:AlternateContent xmlns:mc="http://schemas.openxmlformats.org/markup-compatibility/2006" xmlns:p14="http://schemas.microsoft.com/office/powerpoint/2010/main">
+    <mc:Choice Requires="p14">
       <p:transition spd="med" p14:dur="700">
         <p:fade/>
       </p:transition>
     </mc:Choice>
-    <mc:Fallback>
+    <mc:Fallback xmlns="">
       <p:transition spd="med">
         <p:fade/>
       </p:transition>
@@ -4393,6 +4499,20 @@
 <file path=ppt/slides/slide17.xml><?xml version="1.0" encoding="utf-8"?>
 <p:sld xmlns:a="http://schemas.openxmlformats.org/drawingml/2006/main" xmlns:r="http://schemas.openxmlformats.org/officeDocument/2006/relationships" xmlns:p="http://schemas.openxmlformats.org/presentationml/2006/main">
   <p:cSld>
+    <p:bg>
+      <p:bgPr>
+        <a:blipFill dpi="0" rotWithShape="1">
+          <a:blip r:embed="rId2">
+            <a:lum/>
+          </a:blip>
+          <a:srcRect/>
+          <a:stretch>
+            <a:fillRect/>
+          </a:stretch>
+        </a:blipFill>
+        <a:effectLst/>
+      </p:bgPr>
+    </p:bg>
     <p:spTree>
       <p:nvGrpSpPr>
         <p:cNvPr id="1" name=""/>
@@ -4447,7 +4567,7 @@
           <p:nvPr/>
         </p:nvPicPr>
         <p:blipFill>
-          <a:blip r:embed="rId2">
+          <a:blip r:embed="rId3">
             <a:extLst>
               <a:ext uri="{28A0092B-C50C-407E-A947-70E740481C1C}">
                 <a14:useLocalDpi xmlns:a14="http://schemas.microsoft.com/office/drawing/2010/main" val="0"/>
@@ -4489,13 +4609,13 @@
   <p:clrMapOvr>
     <a:masterClrMapping/>
   </p:clrMapOvr>
-  <mc:AlternateContent xmlns:mc="http://schemas.openxmlformats.org/markup-compatibility/2006">
-    <mc:Choice xmlns:p14="http://schemas.microsoft.com/office/powerpoint/2010/main" Requires="p14">
+  <mc:AlternateContent xmlns:mc="http://schemas.openxmlformats.org/markup-compatibility/2006" xmlns:p14="http://schemas.microsoft.com/office/powerpoint/2010/main">
+    <mc:Choice Requires="p14">
       <p:transition spd="med" p14:dur="700">
         <p:fade/>
       </p:transition>
     </mc:Choice>
-    <mc:Fallback>
+    <mc:Fallback xmlns="">
       <p:transition spd="med">
         <p:fade/>
       </p:transition>
@@ -4650,13 +4770,13 @@
   <p:clrMapOvr>
     <a:masterClrMapping/>
   </p:clrMapOvr>
-  <mc:AlternateContent xmlns:mc="http://schemas.openxmlformats.org/markup-compatibility/2006">
-    <mc:Choice xmlns:p14="http://schemas.microsoft.com/office/powerpoint/2010/main" Requires="p14">
+  <mc:AlternateContent xmlns:mc="http://schemas.openxmlformats.org/markup-compatibility/2006" xmlns:p14="http://schemas.microsoft.com/office/powerpoint/2010/main">
+    <mc:Choice Requires="p14">
       <p:transition spd="med" p14:dur="700">
         <p:fade/>
       </p:transition>
     </mc:Choice>
-    <mc:Fallback>
+    <mc:Fallback xmlns="">
       <p:transition spd="med">
         <p:fade/>
       </p:transition>
@@ -4668,40 +4788,6 @@
 <file path=ppt/slides/slide19.xml><?xml version="1.0" encoding="utf-8"?>
 <p:sld xmlns:a="http://schemas.openxmlformats.org/drawingml/2006/main" xmlns:r="http://schemas.openxmlformats.org/officeDocument/2006/relationships" xmlns:p="http://schemas.openxmlformats.org/presentationml/2006/main">
   <p:cSld>
-    <p:bg>
-      <p:bgPr>
-        <a:gradFill>
-          <a:gsLst>
-            <a:gs pos="32000">
-              <a:schemeClr val="accent1">
-                <a:lumMod val="5000"/>
-                <a:lumOff val="95000"/>
-              </a:schemeClr>
-            </a:gs>
-            <a:gs pos="100000">
-              <a:schemeClr val="accent1">
-                <a:lumMod val="45000"/>
-                <a:lumOff val="55000"/>
-              </a:schemeClr>
-            </a:gs>
-            <a:gs pos="83000">
-              <a:schemeClr val="accent1">
-                <a:lumMod val="45000"/>
-                <a:lumOff val="55000"/>
-              </a:schemeClr>
-            </a:gs>
-            <a:gs pos="100000">
-              <a:schemeClr val="accent1">
-                <a:lumMod val="30000"/>
-                <a:lumOff val="70000"/>
-              </a:schemeClr>
-            </a:gs>
-          </a:gsLst>
-          <a:lin ang="5400000" scaled="1"/>
-        </a:gradFill>
-        <a:effectLst/>
-      </p:bgPr>
-    </p:bg>
     <p:spTree>
       <p:nvGrpSpPr>
         <p:cNvPr id="1" name=""/>
@@ -4815,13 +4901,13 @@
   <p:clrMapOvr>
     <a:masterClrMapping/>
   </p:clrMapOvr>
-  <mc:AlternateContent xmlns:mc="http://schemas.openxmlformats.org/markup-compatibility/2006">
-    <mc:Choice xmlns:p14="http://schemas.microsoft.com/office/powerpoint/2010/main" Requires="p14">
+  <mc:AlternateContent xmlns:mc="http://schemas.openxmlformats.org/markup-compatibility/2006" xmlns:p14="http://schemas.microsoft.com/office/powerpoint/2010/main">
+    <mc:Choice Requires="p14">
       <p:transition spd="med" p14:dur="700">
         <p:fade/>
       </p:transition>
     </mc:Choice>
-    <mc:Fallback>
+    <mc:Fallback xmlns="">
       <p:transition spd="med">
         <p:fade/>
       </p:transition>
@@ -4925,13 +5011,13 @@
   <p:clrMapOvr>
     <a:masterClrMapping/>
   </p:clrMapOvr>
-  <mc:AlternateContent xmlns:mc="http://schemas.openxmlformats.org/markup-compatibility/2006">
-    <mc:Choice xmlns:p14="http://schemas.microsoft.com/office/powerpoint/2010/main" Requires="p14">
+  <mc:AlternateContent xmlns:mc="http://schemas.openxmlformats.org/markup-compatibility/2006" xmlns:p14="http://schemas.microsoft.com/office/powerpoint/2010/main">
+    <mc:Choice Requires="p14">
       <p:transition spd="med" p14:dur="700">
         <p:fade/>
       </p:transition>
     </mc:Choice>
-    <mc:Fallback>
+    <mc:Fallback xmlns="">
       <p:transition spd="med">
         <p:fade/>
       </p:transition>
@@ -4943,6 +5029,20 @@
 <file path=ppt/slides/slide20.xml><?xml version="1.0" encoding="utf-8"?>
 <p:sld xmlns:a="http://schemas.openxmlformats.org/drawingml/2006/main" xmlns:r="http://schemas.openxmlformats.org/officeDocument/2006/relationships" xmlns:p="http://schemas.openxmlformats.org/presentationml/2006/main">
   <p:cSld>
+    <p:bg>
+      <p:bgPr>
+        <a:blipFill dpi="0" rotWithShape="1">
+          <a:blip r:embed="rId2">
+            <a:lum/>
+          </a:blip>
+          <a:srcRect/>
+          <a:stretch>
+            <a:fillRect/>
+          </a:stretch>
+        </a:blipFill>
+        <a:effectLst/>
+      </p:bgPr>
+    </p:bg>
     <p:spTree>
       <p:nvGrpSpPr>
         <p:cNvPr id="1" name=""/>
@@ -5043,13 +5143,13 @@
   <p:clrMapOvr>
     <a:masterClrMapping/>
   </p:clrMapOvr>
-  <mc:AlternateContent xmlns:mc="http://schemas.openxmlformats.org/markup-compatibility/2006">
-    <mc:Choice xmlns:p14="http://schemas.microsoft.com/office/powerpoint/2010/main" Requires="p14">
+  <mc:AlternateContent xmlns:mc="http://schemas.openxmlformats.org/markup-compatibility/2006" xmlns:p14="http://schemas.microsoft.com/office/powerpoint/2010/main">
+    <mc:Choice Requires="p14">
       <p:transition spd="med" p14:dur="700">
         <p:fade/>
       </p:transition>
     </mc:Choice>
-    <mc:Fallback>
+    <mc:Fallback xmlns="">
       <p:transition spd="med">
         <p:fade/>
       </p:transition>
@@ -5173,13 +5273,13 @@
   <p:clrMapOvr>
     <a:masterClrMapping/>
   </p:clrMapOvr>
-  <mc:AlternateContent xmlns:mc="http://schemas.openxmlformats.org/markup-compatibility/2006">
-    <mc:Choice xmlns:p14="http://schemas.microsoft.com/office/powerpoint/2010/main" Requires="p14">
+  <mc:AlternateContent xmlns:mc="http://schemas.openxmlformats.org/markup-compatibility/2006" xmlns:p14="http://schemas.microsoft.com/office/powerpoint/2010/main">
+    <mc:Choice Requires="p14">
       <p:transition spd="med" p14:dur="700">
         <p:fade/>
       </p:transition>
     </mc:Choice>
-    <mc:Fallback>
+    <mc:Fallback xmlns="">
       <p:transition spd="med">
         <p:fade/>
       </p:transition>
@@ -5361,13 +5461,13 @@
   <p:clrMapOvr>
     <a:masterClrMapping/>
   </p:clrMapOvr>
-  <mc:AlternateContent xmlns:mc="http://schemas.openxmlformats.org/markup-compatibility/2006">
-    <mc:Choice xmlns:p14="http://schemas.microsoft.com/office/powerpoint/2010/main" Requires="p14">
+  <mc:AlternateContent xmlns:mc="http://schemas.openxmlformats.org/markup-compatibility/2006" xmlns:p14="http://schemas.microsoft.com/office/powerpoint/2010/main">
+    <mc:Choice Requires="p14">
       <p:transition spd="med" p14:dur="700">
         <p:fade/>
       </p:transition>
     </mc:Choice>
-    <mc:Fallback>
+    <mc:Fallback xmlns="">
       <p:transition spd="med">
         <p:fade/>
       </p:transition>
@@ -5379,6 +5479,20 @@
 <file path=ppt/slides/slide23.xml><?xml version="1.0" encoding="utf-8"?>
 <p:sld xmlns:a="http://schemas.openxmlformats.org/drawingml/2006/main" xmlns:r="http://schemas.openxmlformats.org/officeDocument/2006/relationships" xmlns:p="http://schemas.openxmlformats.org/presentationml/2006/main">
   <p:cSld>
+    <p:bg>
+      <p:bgPr>
+        <a:blipFill dpi="0" rotWithShape="1">
+          <a:blip r:embed="rId2">
+            <a:lum/>
+          </a:blip>
+          <a:srcRect/>
+          <a:stretch>
+            <a:fillRect/>
+          </a:stretch>
+        </a:blipFill>
+        <a:effectLst/>
+      </p:bgPr>
+    </p:bg>
     <p:spTree>
       <p:nvGrpSpPr>
         <p:cNvPr id="1" name=""/>
@@ -5453,13 +5567,13 @@
   <p:clrMapOvr>
     <a:masterClrMapping/>
   </p:clrMapOvr>
-  <mc:AlternateContent xmlns:mc="http://schemas.openxmlformats.org/markup-compatibility/2006">
-    <mc:Choice xmlns:p14="http://schemas.microsoft.com/office/powerpoint/2010/main" Requires="p14">
+  <mc:AlternateContent xmlns:mc="http://schemas.openxmlformats.org/markup-compatibility/2006" xmlns:p14="http://schemas.microsoft.com/office/powerpoint/2010/main">
+    <mc:Choice Requires="p14">
       <p:transition spd="med" p14:dur="700">
         <p:fade/>
       </p:transition>
     </mc:Choice>
-    <mc:Fallback>
+    <mc:Fallback xmlns="">
       <p:transition spd="med">
         <p:fade/>
       </p:transition>
@@ -5548,13 +5662,13 @@
   <p:clrMapOvr>
     <a:masterClrMapping/>
   </p:clrMapOvr>
-  <mc:AlternateContent xmlns:mc="http://schemas.openxmlformats.org/markup-compatibility/2006">
-    <mc:Choice xmlns:p14="http://schemas.microsoft.com/office/powerpoint/2010/main" Requires="p14">
+  <mc:AlternateContent xmlns:mc="http://schemas.openxmlformats.org/markup-compatibility/2006" xmlns:p14="http://schemas.microsoft.com/office/powerpoint/2010/main">
+    <mc:Choice Requires="p14">
       <p:transition spd="med" p14:dur="700">
         <p:fade/>
       </p:transition>
     </mc:Choice>
-    <mc:Fallback>
+    <mc:Fallback xmlns="">
       <p:transition spd="med">
         <p:fade/>
       </p:transition>
@@ -5566,6 +5680,20 @@
 <file path=ppt/slides/slide25.xml><?xml version="1.0" encoding="utf-8"?>
 <p:sld xmlns:a="http://schemas.openxmlformats.org/drawingml/2006/main" xmlns:r="http://schemas.openxmlformats.org/officeDocument/2006/relationships" xmlns:p="http://schemas.openxmlformats.org/presentationml/2006/main">
   <p:cSld>
+    <p:bg>
+      <p:bgPr>
+        <a:blipFill dpi="0" rotWithShape="1">
+          <a:blip r:embed="rId2">
+            <a:lum/>
+          </a:blip>
+          <a:srcRect/>
+          <a:stretch>
+            <a:fillRect/>
+          </a:stretch>
+        </a:blipFill>
+        <a:effectLst/>
+      </p:bgPr>
+    </p:bg>
     <p:spTree>
       <p:nvGrpSpPr>
         <p:cNvPr id="1" name=""/>
@@ -5643,13 +5771,13 @@
   <p:clrMapOvr>
     <a:masterClrMapping/>
   </p:clrMapOvr>
-  <mc:AlternateContent xmlns:mc="http://schemas.openxmlformats.org/markup-compatibility/2006">
-    <mc:Choice xmlns:p14="http://schemas.microsoft.com/office/powerpoint/2010/main" Requires="p14">
+  <mc:AlternateContent xmlns:mc="http://schemas.openxmlformats.org/markup-compatibility/2006" xmlns:p14="http://schemas.microsoft.com/office/powerpoint/2010/main">
+    <mc:Choice Requires="p14">
       <p:transition spd="med" p14:dur="700">
         <p:fade/>
       </p:transition>
     </mc:Choice>
-    <mc:Fallback>
+    <mc:Fallback xmlns="">
       <p:transition spd="med">
         <p:fade/>
       </p:transition>
@@ -5661,6 +5789,20 @@
 <file path=ppt/slides/slide26.xml><?xml version="1.0" encoding="utf-8"?>
 <p:sld xmlns:a="http://schemas.openxmlformats.org/drawingml/2006/main" xmlns:r="http://schemas.openxmlformats.org/officeDocument/2006/relationships" xmlns:p="http://schemas.openxmlformats.org/presentationml/2006/main">
   <p:cSld>
+    <p:bg>
+      <p:bgPr>
+        <a:blipFill dpi="0" rotWithShape="1">
+          <a:blip r:embed="rId2">
+            <a:lum/>
+          </a:blip>
+          <a:srcRect/>
+          <a:stretch>
+            <a:fillRect/>
+          </a:stretch>
+        </a:blipFill>
+        <a:effectLst/>
+      </p:bgPr>
+    </p:bg>
     <p:spTree>
       <p:nvGrpSpPr>
         <p:cNvPr id="1" name=""/>
@@ -5698,7 +5840,7 @@
           <a:p>
             <a:r>
               <a:rPr lang="en-US" dirty="0"/>
-              <a:t>Materials and methods (code)</a:t>
+              <a:t>Materials and methods</a:t>
             </a:r>
           </a:p>
         </p:txBody>
@@ -5760,13 +5902,13 @@
   <p:clrMapOvr>
     <a:masterClrMapping/>
   </p:clrMapOvr>
-  <mc:AlternateContent xmlns:mc="http://schemas.openxmlformats.org/markup-compatibility/2006">
-    <mc:Choice xmlns:p14="http://schemas.microsoft.com/office/powerpoint/2010/main" Requires="p14">
+  <mc:AlternateContent xmlns:mc="http://schemas.openxmlformats.org/markup-compatibility/2006" xmlns:p14="http://schemas.microsoft.com/office/powerpoint/2010/main">
+    <mc:Choice Requires="p14">
       <p:transition spd="med" p14:dur="700">
         <p:fade/>
       </p:transition>
     </mc:Choice>
-    <mc:Fallback>
+    <mc:Fallback xmlns="">
       <p:transition spd="med">
         <p:fade/>
       </p:transition>
@@ -5872,13 +6014,13 @@
   <p:clrMapOvr>
     <a:masterClrMapping/>
   </p:clrMapOvr>
-  <mc:AlternateContent xmlns:mc="http://schemas.openxmlformats.org/markup-compatibility/2006">
-    <mc:Choice xmlns:p14="http://schemas.microsoft.com/office/powerpoint/2010/main" Requires="p14">
+  <mc:AlternateContent xmlns:mc="http://schemas.openxmlformats.org/markup-compatibility/2006" xmlns:p14="http://schemas.microsoft.com/office/powerpoint/2010/main">
+    <mc:Choice Requires="p14">
       <p:transition spd="med" p14:dur="700">
         <p:fade/>
       </p:transition>
     </mc:Choice>
-    <mc:Fallback>
+    <mc:Fallback xmlns="">
       <p:transition spd="med">
         <p:fade/>
       </p:transition>
@@ -5890,6 +6032,20 @@
 <file path=ppt/slides/slide28.xml><?xml version="1.0" encoding="utf-8"?>
 <p:sld xmlns:a="http://schemas.openxmlformats.org/drawingml/2006/main" xmlns:r="http://schemas.openxmlformats.org/officeDocument/2006/relationships" xmlns:p="http://schemas.openxmlformats.org/presentationml/2006/main">
   <p:cSld>
+    <p:bg>
+      <p:bgPr>
+        <a:blipFill dpi="0" rotWithShape="1">
+          <a:blip r:embed="rId2">
+            <a:lum/>
+          </a:blip>
+          <a:srcRect/>
+          <a:stretch>
+            <a:fillRect/>
+          </a:stretch>
+        </a:blipFill>
+        <a:effectLst/>
+      </p:bgPr>
+    </p:bg>
     <p:spTree>
       <p:nvGrpSpPr>
         <p:cNvPr id="1" name=""/>
@@ -5967,13 +6123,13 @@
   <p:clrMapOvr>
     <a:masterClrMapping/>
   </p:clrMapOvr>
-  <mc:AlternateContent xmlns:mc="http://schemas.openxmlformats.org/markup-compatibility/2006">
-    <mc:Choice xmlns:p14="http://schemas.microsoft.com/office/powerpoint/2010/main" Requires="p14">
+  <mc:AlternateContent xmlns:mc="http://schemas.openxmlformats.org/markup-compatibility/2006" xmlns:p14="http://schemas.microsoft.com/office/powerpoint/2010/main">
+    <mc:Choice Requires="p14">
       <p:transition spd="med" p14:dur="700">
         <p:fade/>
       </p:transition>
     </mc:Choice>
-    <mc:Fallback>
+    <mc:Fallback xmlns="">
       <p:transition spd="med">
         <p:fade/>
       </p:transition>
@@ -6345,13 +6501,13 @@
   <p:clrMapOvr>
     <a:masterClrMapping/>
   </p:clrMapOvr>
-  <mc:AlternateContent xmlns:mc="http://schemas.openxmlformats.org/markup-compatibility/2006">
-    <mc:Choice xmlns:p14="http://schemas.microsoft.com/office/powerpoint/2010/main" Requires="p14">
+  <mc:AlternateContent xmlns:mc="http://schemas.openxmlformats.org/markup-compatibility/2006" xmlns:p14="http://schemas.microsoft.com/office/powerpoint/2010/main">
+    <mc:Choice Requires="p14">
       <p:transition spd="med" p14:dur="700">
         <p:fade/>
       </p:transition>
     </mc:Choice>
-    <mc:Fallback>
+    <mc:Fallback xmlns="">
       <p:transition spd="med">
         <p:fade/>
       </p:transition>
@@ -6363,6 +6519,20 @@
 <file path=ppt/slides/slide3.xml><?xml version="1.0" encoding="utf-8"?>
 <p:sld xmlns:a="http://schemas.openxmlformats.org/drawingml/2006/main" xmlns:r="http://schemas.openxmlformats.org/officeDocument/2006/relationships" xmlns:p="http://schemas.openxmlformats.org/presentationml/2006/main">
   <p:cSld>
+    <p:bg>
+      <p:bgPr>
+        <a:blipFill dpi="0" rotWithShape="1">
+          <a:blip r:embed="rId2">
+            <a:lum/>
+          </a:blip>
+          <a:srcRect/>
+          <a:stretch>
+            <a:fillRect/>
+          </a:stretch>
+        </a:blipFill>
+        <a:effectLst/>
+      </p:bgPr>
+    </p:bg>
     <p:spTree>
       <p:nvGrpSpPr>
         <p:cNvPr id="1" name=""/>
@@ -6429,7 +6599,7 @@
                   <a:srgbClr val="FFFFFF"/>
                 </a:highlight>
                 <a:latin typeface="IBM Plex Sans" panose="020B0503050203000203" pitchFamily="34" charset="0"/>
-                <a:hlinkClick r:id="rId2"/>
+                <a:hlinkClick r:id="rId3"/>
               </a:rPr>
               <a:t>https://www.ibm.com/topics/machine-learning</a:t>
             </a:r>
@@ -6463,14 +6633,14 @@
           <p:nvPr/>
         </p:nvPicPr>
         <p:blipFill>
-          <a:blip r:embed="rId3"/>
+          <a:blip r:embed="rId4"/>
           <a:stretch>
             <a:fillRect/>
           </a:stretch>
         </p:blipFill>
         <p:spPr>
           <a:xfrm>
-            <a:off x="488245" y="408079"/>
+            <a:off x="488245" y="507230"/>
             <a:ext cx="7802064" cy="3848637"/>
           </a:xfrm>
           <a:prstGeom prst="rect">
@@ -6488,13 +6658,13 @@
   <p:clrMapOvr>
     <a:masterClrMapping/>
   </p:clrMapOvr>
-  <mc:AlternateContent xmlns:mc="http://schemas.openxmlformats.org/markup-compatibility/2006">
-    <mc:Choice xmlns:p14="http://schemas.microsoft.com/office/powerpoint/2010/main" Requires="p14">
+  <mc:AlternateContent xmlns:mc="http://schemas.openxmlformats.org/markup-compatibility/2006" xmlns:p14="http://schemas.microsoft.com/office/powerpoint/2010/main">
+    <mc:Choice Requires="p14">
       <p:transition spd="med" p14:dur="700">
         <p:fade/>
       </p:transition>
     </mc:Choice>
-    <mc:Fallback>
+    <mc:Fallback xmlns="">
       <p:transition spd="med">
         <p:fade/>
       </p:transition>
@@ -6924,13 +7094,13 @@
   <p:clrMapOvr>
     <a:masterClrMapping/>
   </p:clrMapOvr>
-  <mc:AlternateContent xmlns:mc="http://schemas.openxmlformats.org/markup-compatibility/2006">
-    <mc:Choice xmlns:p14="http://schemas.microsoft.com/office/powerpoint/2010/main" Requires="p14">
+  <mc:AlternateContent xmlns:mc="http://schemas.openxmlformats.org/markup-compatibility/2006" xmlns:p14="http://schemas.microsoft.com/office/powerpoint/2010/main">
+    <mc:Choice Requires="p14">
       <p:transition spd="med" p14:dur="700">
         <p:fade/>
       </p:transition>
     </mc:Choice>
-    <mc:Fallback>
+    <mc:Fallback xmlns="">
       <p:transition spd="med">
         <p:fade/>
       </p:transition>
@@ -7064,13 +7234,13 @@
   <p:clrMapOvr>
     <a:masterClrMapping/>
   </p:clrMapOvr>
-  <mc:AlternateContent xmlns:mc="http://schemas.openxmlformats.org/markup-compatibility/2006">
-    <mc:Choice xmlns:p14="http://schemas.microsoft.com/office/powerpoint/2010/main" Requires="p14">
+  <mc:AlternateContent xmlns:mc="http://schemas.openxmlformats.org/markup-compatibility/2006" xmlns:p14="http://schemas.microsoft.com/office/powerpoint/2010/main">
+    <mc:Choice Requires="p14">
       <p:transition spd="med" p14:dur="700">
         <p:fade/>
       </p:transition>
     </mc:Choice>
-    <mc:Fallback>
+    <mc:Fallback xmlns="">
       <p:transition spd="med">
         <p:fade/>
       </p:transition>
@@ -7430,13 +7600,13 @@
   <p:clrMapOvr>
     <a:masterClrMapping/>
   </p:clrMapOvr>
-  <mc:AlternateContent xmlns:mc="http://schemas.openxmlformats.org/markup-compatibility/2006">
-    <mc:Choice xmlns:p14="http://schemas.microsoft.com/office/powerpoint/2010/main" Requires="p14">
+  <mc:AlternateContent xmlns:mc="http://schemas.openxmlformats.org/markup-compatibility/2006" xmlns:p14="http://schemas.microsoft.com/office/powerpoint/2010/main">
+    <mc:Choice Requires="p14">
       <p:transition spd="med" p14:dur="700">
         <p:fade/>
       </p:transition>
     </mc:Choice>
-    <mc:Fallback>
+    <mc:Fallback xmlns="">
       <p:transition spd="med">
         <p:fade/>
       </p:transition>
@@ -7807,13 +7977,13 @@
   <p:clrMapOvr>
     <a:masterClrMapping/>
   </p:clrMapOvr>
-  <mc:AlternateContent xmlns:mc="http://schemas.openxmlformats.org/markup-compatibility/2006">
-    <mc:Choice xmlns:p14="http://schemas.microsoft.com/office/powerpoint/2010/main" Requires="p14">
+  <mc:AlternateContent xmlns:mc="http://schemas.openxmlformats.org/markup-compatibility/2006" xmlns:p14="http://schemas.microsoft.com/office/powerpoint/2010/main">
+    <mc:Choice Requires="p14">
       <p:transition spd="med" p14:dur="700">
         <p:fade/>
       </p:transition>
     </mc:Choice>
-    <mc:Fallback>
+    <mc:Fallback xmlns="">
       <p:transition spd="med">
         <p:fade/>
       </p:transition>
@@ -8074,13 +8244,13 @@
   <p:clrMapOvr>
     <a:masterClrMapping/>
   </p:clrMapOvr>
-  <mc:AlternateContent xmlns:mc="http://schemas.openxmlformats.org/markup-compatibility/2006">
-    <mc:Choice xmlns:p14="http://schemas.microsoft.com/office/powerpoint/2010/main" Requires="p14">
+  <mc:AlternateContent xmlns:mc="http://schemas.openxmlformats.org/markup-compatibility/2006" xmlns:p14="http://schemas.microsoft.com/office/powerpoint/2010/main">
+    <mc:Choice Requires="p14">
       <p:transition spd="med" p14:dur="700">
         <p:fade/>
       </p:transition>
     </mc:Choice>
-    <mc:Fallback>
+    <mc:Fallback xmlns="">
       <p:transition spd="med">
         <p:fade/>
       </p:transition>
@@ -8341,13 +8511,13 @@
   <p:clrMapOvr>
     <a:masterClrMapping/>
   </p:clrMapOvr>
-  <mc:AlternateContent xmlns:mc="http://schemas.openxmlformats.org/markup-compatibility/2006">
-    <mc:Choice xmlns:p14="http://schemas.microsoft.com/office/powerpoint/2010/main" Requires="p14">
+  <mc:AlternateContent xmlns:mc="http://schemas.openxmlformats.org/markup-compatibility/2006" xmlns:p14="http://schemas.microsoft.com/office/powerpoint/2010/main">
+    <mc:Choice Requires="p14">
       <p:transition spd="med" p14:dur="700">
         <p:fade/>
       </p:transition>
     </mc:Choice>
-    <mc:Fallback>
+    <mc:Fallback xmlns="">
       <p:transition spd="med">
         <p:fade/>
       </p:transition>
@@ -8608,13 +8778,13 @@
   <p:clrMapOvr>
     <a:masterClrMapping/>
   </p:clrMapOvr>
-  <mc:AlternateContent xmlns:mc="http://schemas.openxmlformats.org/markup-compatibility/2006">
-    <mc:Choice xmlns:p14="http://schemas.microsoft.com/office/powerpoint/2010/main" Requires="p14">
+  <mc:AlternateContent xmlns:mc="http://schemas.openxmlformats.org/markup-compatibility/2006" xmlns:p14="http://schemas.microsoft.com/office/powerpoint/2010/main">
+    <mc:Choice Requires="p14">
       <p:transition spd="med" p14:dur="700">
         <p:fade/>
       </p:transition>
     </mc:Choice>
-    <mc:Fallback>
+    <mc:Fallback xmlns="">
       <p:transition spd="med">
         <p:fade/>
       </p:transition>
@@ -8875,13 +9045,13 @@
   <p:clrMapOvr>
     <a:masterClrMapping/>
   </p:clrMapOvr>
-  <mc:AlternateContent xmlns:mc="http://schemas.openxmlformats.org/markup-compatibility/2006">
-    <mc:Choice xmlns:p14="http://schemas.microsoft.com/office/powerpoint/2010/main" Requires="p14">
+  <mc:AlternateContent xmlns:mc="http://schemas.openxmlformats.org/markup-compatibility/2006" xmlns:p14="http://schemas.microsoft.com/office/powerpoint/2010/main">
+    <mc:Choice Requires="p14">
       <p:transition spd="med" p14:dur="700">
         <p:fade/>
       </p:transition>
     </mc:Choice>
-    <mc:Fallback>
+    <mc:Fallback xmlns="">
       <p:transition spd="med">
         <p:fade/>
       </p:transition>
@@ -9142,13 +9312,13 @@
   <p:clrMapOvr>
     <a:masterClrMapping/>
   </p:clrMapOvr>
-  <mc:AlternateContent xmlns:mc="http://schemas.openxmlformats.org/markup-compatibility/2006">
-    <mc:Choice xmlns:p14="http://schemas.microsoft.com/office/powerpoint/2010/main" Requires="p14">
+  <mc:AlternateContent xmlns:mc="http://schemas.openxmlformats.org/markup-compatibility/2006" xmlns:p14="http://schemas.microsoft.com/office/powerpoint/2010/main">
+    <mc:Choice Requires="p14">
       <p:transition spd="med" p14:dur="700">
         <p:fade/>
       </p:transition>
     </mc:Choice>
-    <mc:Fallback>
+    <mc:Fallback xmlns="">
       <p:transition spd="med">
         <p:fade/>
       </p:transition>
@@ -9409,13 +9579,13 @@
   <p:clrMapOvr>
     <a:masterClrMapping/>
   </p:clrMapOvr>
-  <mc:AlternateContent xmlns:mc="http://schemas.openxmlformats.org/markup-compatibility/2006">
-    <mc:Choice xmlns:p14="http://schemas.microsoft.com/office/powerpoint/2010/main" Requires="p14">
+  <mc:AlternateContent xmlns:mc="http://schemas.openxmlformats.org/markup-compatibility/2006" xmlns:p14="http://schemas.microsoft.com/office/powerpoint/2010/main">
+    <mc:Choice Requires="p14">
       <p:transition spd="med" p14:dur="700">
         <p:fade/>
       </p:transition>
     </mc:Choice>
-    <mc:Fallback>
+    <mc:Fallback xmlns="">
       <p:transition spd="med">
         <p:fade/>
       </p:transition>
@@ -9481,13 +9651,13 @@
   <p:clrMapOvr>
     <a:masterClrMapping/>
   </p:clrMapOvr>
-  <mc:AlternateContent xmlns:mc="http://schemas.openxmlformats.org/markup-compatibility/2006">
-    <mc:Choice xmlns:p14="http://schemas.microsoft.com/office/powerpoint/2010/main" Requires="p14">
+  <mc:AlternateContent xmlns:mc="http://schemas.openxmlformats.org/markup-compatibility/2006" xmlns:p14="http://schemas.microsoft.com/office/powerpoint/2010/main">
+    <mc:Choice Requires="p14">
       <p:transition spd="med" p14:dur="700">
         <p:fade/>
       </p:transition>
     </mc:Choice>
-    <mc:Fallback>
+    <mc:Fallback xmlns="">
       <p:transition spd="med">
         <p:fade/>
       </p:transition>
@@ -9748,13 +9918,13 @@
   <p:clrMapOvr>
     <a:masterClrMapping/>
   </p:clrMapOvr>
-  <mc:AlternateContent xmlns:mc="http://schemas.openxmlformats.org/markup-compatibility/2006">
-    <mc:Choice xmlns:p14="http://schemas.microsoft.com/office/powerpoint/2010/main" Requires="p14">
+  <mc:AlternateContent xmlns:mc="http://schemas.openxmlformats.org/markup-compatibility/2006" xmlns:p14="http://schemas.microsoft.com/office/powerpoint/2010/main">
+    <mc:Choice Requires="p14">
       <p:transition spd="med" p14:dur="700">
         <p:fade/>
       </p:transition>
     </mc:Choice>
-    <mc:Fallback>
+    <mc:Fallback xmlns="">
       <p:transition spd="med">
         <p:fade/>
       </p:transition>
@@ -10015,13 +10185,13 @@
   <p:clrMapOvr>
     <a:masterClrMapping/>
   </p:clrMapOvr>
-  <mc:AlternateContent xmlns:mc="http://schemas.openxmlformats.org/markup-compatibility/2006">
-    <mc:Choice xmlns:p14="http://schemas.microsoft.com/office/powerpoint/2010/main" Requires="p14">
+  <mc:AlternateContent xmlns:mc="http://schemas.openxmlformats.org/markup-compatibility/2006" xmlns:p14="http://schemas.microsoft.com/office/powerpoint/2010/main">
+    <mc:Choice Requires="p14">
       <p:transition spd="med" p14:dur="700">
         <p:fade/>
       </p:transition>
     </mc:Choice>
-    <mc:Fallback>
+    <mc:Fallback xmlns="">
       <p:transition spd="med">
         <p:fade/>
       </p:transition>
@@ -10126,13 +10296,13 @@
   <p:clrMapOvr>
     <a:masterClrMapping/>
   </p:clrMapOvr>
-  <mc:AlternateContent xmlns:mc="http://schemas.openxmlformats.org/markup-compatibility/2006">
-    <mc:Choice xmlns:p14="http://schemas.microsoft.com/office/powerpoint/2010/main" Requires="p14">
+  <mc:AlternateContent xmlns:mc="http://schemas.openxmlformats.org/markup-compatibility/2006" xmlns:p14="http://schemas.microsoft.com/office/powerpoint/2010/main">
+    <mc:Choice Requires="p14">
       <p:transition spd="med" p14:dur="700">
         <p:fade/>
       </p:transition>
     </mc:Choice>
-    <mc:Fallback>
+    <mc:Fallback xmlns="">
       <p:transition spd="med">
         <p:fade/>
       </p:transition>
@@ -10144,6 +10314,20 @@
 <file path=ppt/slides/slide43.xml><?xml version="1.0" encoding="utf-8"?>
 <p:sld xmlns:a="http://schemas.openxmlformats.org/drawingml/2006/main" xmlns:r="http://schemas.openxmlformats.org/officeDocument/2006/relationships" xmlns:p="http://schemas.openxmlformats.org/presentationml/2006/main">
   <p:cSld>
+    <p:bg>
+      <p:bgPr>
+        <a:blipFill dpi="0" rotWithShape="1">
+          <a:blip r:embed="rId2">
+            <a:lum/>
+          </a:blip>
+          <a:srcRect/>
+          <a:stretch>
+            <a:fillRect/>
+          </a:stretch>
+        </a:blipFill>
+        <a:effectLst/>
+      </p:bgPr>
+    </p:bg>
     <p:spTree>
       <p:nvGrpSpPr>
         <p:cNvPr id="1" name=""/>
@@ -10260,14 +10444,14 @@
           <p:nvPr/>
         </p:nvPicPr>
         <p:blipFill>
-          <a:blip r:embed="rId2"/>
+          <a:blip r:embed="rId3"/>
           <a:stretch>
             <a:fillRect/>
           </a:stretch>
         </p:blipFill>
         <p:spPr>
           <a:xfrm>
-            <a:off x="838200" y="2671034"/>
+            <a:off x="1157689" y="2660017"/>
             <a:ext cx="6962185" cy="966970"/>
           </a:xfrm>
           <a:prstGeom prst="rect">
@@ -10285,13 +10469,13 @@
   <p:clrMapOvr>
     <a:masterClrMapping/>
   </p:clrMapOvr>
-  <mc:AlternateContent xmlns:mc="http://schemas.openxmlformats.org/markup-compatibility/2006">
-    <mc:Choice xmlns:p14="http://schemas.microsoft.com/office/powerpoint/2010/main" Requires="p14">
+  <mc:AlternateContent xmlns:mc="http://schemas.openxmlformats.org/markup-compatibility/2006" xmlns:p14="http://schemas.microsoft.com/office/powerpoint/2010/main">
+    <mc:Choice Requires="p14">
       <p:transition spd="med" p14:dur="700">
         <p:fade/>
       </p:transition>
     </mc:Choice>
-    <mc:Fallback>
+    <mc:Fallback xmlns="">
       <p:transition spd="med">
         <p:fade/>
       </p:transition>
@@ -10303,6 +10487,20 @@
 <file path=ppt/slides/slide44.xml><?xml version="1.0" encoding="utf-8"?>
 <p:sld xmlns:a="http://schemas.openxmlformats.org/drawingml/2006/main" xmlns:r="http://schemas.openxmlformats.org/officeDocument/2006/relationships" xmlns:p="http://schemas.openxmlformats.org/presentationml/2006/main">
   <p:cSld>
+    <p:bg>
+      <p:bgPr>
+        <a:blipFill dpi="0" rotWithShape="1">
+          <a:blip r:embed="rId2">
+            <a:lum/>
+          </a:blip>
+          <a:srcRect/>
+          <a:stretch>
+            <a:fillRect/>
+          </a:stretch>
+        </a:blipFill>
+        <a:effectLst/>
+      </p:bgPr>
+    </p:bg>
     <p:spTree>
       <p:nvGrpSpPr>
         <p:cNvPr id="1" name=""/>
@@ -10397,13 +10595,13 @@
   <p:clrMapOvr>
     <a:masterClrMapping/>
   </p:clrMapOvr>
-  <mc:AlternateContent xmlns:mc="http://schemas.openxmlformats.org/markup-compatibility/2006">
-    <mc:Choice xmlns:p14="http://schemas.microsoft.com/office/powerpoint/2010/main" Requires="p14">
+  <mc:AlternateContent xmlns:mc="http://schemas.openxmlformats.org/markup-compatibility/2006" xmlns:p14="http://schemas.microsoft.com/office/powerpoint/2010/main">
+    <mc:Choice Requires="p14">
       <p:transition spd="med" p14:dur="700">
         <p:fade/>
       </p:transition>
     </mc:Choice>
-    <mc:Fallback>
+    <mc:Fallback xmlns="">
       <p:transition spd="med">
         <p:fade/>
       </p:transition>
@@ -10415,6 +10613,20 @@
 <file path=ppt/slides/slide45.xml><?xml version="1.0" encoding="utf-8"?>
 <p:sld xmlns:a="http://schemas.openxmlformats.org/drawingml/2006/main" xmlns:r="http://schemas.openxmlformats.org/officeDocument/2006/relationships" xmlns:p="http://schemas.openxmlformats.org/presentationml/2006/main">
   <p:cSld>
+    <p:bg>
+      <p:bgPr>
+        <a:blipFill dpi="0" rotWithShape="1">
+          <a:blip r:embed="rId2">
+            <a:lum/>
+          </a:blip>
+          <a:srcRect/>
+          <a:stretch>
+            <a:fillRect/>
+          </a:stretch>
+        </a:blipFill>
+        <a:effectLst/>
+      </p:bgPr>
+    </p:bg>
     <p:spTree>
       <p:nvGrpSpPr>
         <p:cNvPr id="1" name=""/>
@@ -10492,13 +10704,13 @@
   <p:clrMapOvr>
     <a:masterClrMapping/>
   </p:clrMapOvr>
-  <mc:AlternateContent xmlns:mc="http://schemas.openxmlformats.org/markup-compatibility/2006">
-    <mc:Choice xmlns:p14="http://schemas.microsoft.com/office/powerpoint/2010/main" Requires="p14">
+  <mc:AlternateContent xmlns:mc="http://schemas.openxmlformats.org/markup-compatibility/2006" xmlns:p14="http://schemas.microsoft.com/office/powerpoint/2010/main">
+    <mc:Choice Requires="p14">
       <p:transition spd="med" p14:dur="700">
         <p:fade/>
       </p:transition>
     </mc:Choice>
-    <mc:Fallback>
+    <mc:Fallback xmlns="">
       <p:transition spd="med">
         <p:fade/>
       </p:transition>
@@ -10599,13 +10811,13 @@
   <p:clrMapOvr>
     <a:masterClrMapping/>
   </p:clrMapOvr>
-  <mc:AlternateContent xmlns:mc="http://schemas.openxmlformats.org/markup-compatibility/2006">
-    <mc:Choice xmlns:p14="http://schemas.microsoft.com/office/powerpoint/2010/main" Requires="p14">
+  <mc:AlternateContent xmlns:mc="http://schemas.openxmlformats.org/markup-compatibility/2006" xmlns:p14="http://schemas.microsoft.com/office/powerpoint/2010/main">
+    <mc:Choice Requires="p14">
       <p:transition spd="med" p14:dur="700">
         <p:fade/>
       </p:transition>
     </mc:Choice>
-    <mc:Fallback>
+    <mc:Fallback xmlns="">
       <p:transition spd="med">
         <p:fade/>
       </p:transition>
@@ -10617,6 +10829,20 @@
 <file path=ppt/slides/slide47.xml><?xml version="1.0" encoding="utf-8"?>
 <p:sld xmlns:a="http://schemas.openxmlformats.org/drawingml/2006/main" xmlns:r="http://schemas.openxmlformats.org/officeDocument/2006/relationships" xmlns:p="http://schemas.openxmlformats.org/presentationml/2006/main">
   <p:cSld>
+    <p:bg>
+      <p:bgPr>
+        <a:blipFill dpi="0" rotWithShape="1">
+          <a:blip r:embed="rId2">
+            <a:lum/>
+          </a:blip>
+          <a:srcRect/>
+          <a:stretch>
+            <a:fillRect/>
+          </a:stretch>
+        </a:blipFill>
+        <a:effectLst/>
+      </p:bgPr>
+    </p:bg>
     <p:spTree>
       <p:nvGrpSpPr>
         <p:cNvPr id="1" name=""/>
@@ -10700,13 +10926,13 @@
   <p:clrMapOvr>
     <a:masterClrMapping/>
   </p:clrMapOvr>
-  <mc:AlternateContent xmlns:mc="http://schemas.openxmlformats.org/markup-compatibility/2006">
-    <mc:Choice xmlns:p14="http://schemas.microsoft.com/office/powerpoint/2010/main" Requires="p14">
+  <mc:AlternateContent xmlns:mc="http://schemas.openxmlformats.org/markup-compatibility/2006" xmlns:p14="http://schemas.microsoft.com/office/powerpoint/2010/main">
+    <mc:Choice Requires="p14">
       <p:transition spd="med" p14:dur="700">
         <p:fade/>
       </p:transition>
     </mc:Choice>
-    <mc:Fallback>
+    <mc:Fallback xmlns="">
       <p:transition spd="med">
         <p:fade/>
       </p:transition>
@@ -10718,6 +10944,20 @@
 <file path=ppt/slides/slide48.xml><?xml version="1.0" encoding="utf-8"?>
 <p:sld xmlns:a="http://schemas.openxmlformats.org/drawingml/2006/main" xmlns:r="http://schemas.openxmlformats.org/officeDocument/2006/relationships" xmlns:p="http://schemas.openxmlformats.org/presentationml/2006/main">
   <p:cSld>
+    <p:bg>
+      <p:bgPr>
+        <a:blipFill dpi="0" rotWithShape="1">
+          <a:blip r:embed="rId2">
+            <a:lum/>
+          </a:blip>
+          <a:srcRect/>
+          <a:stretch>
+            <a:fillRect/>
+          </a:stretch>
+        </a:blipFill>
+        <a:effectLst/>
+      </p:bgPr>
+    </p:bg>
     <p:spTree>
       <p:nvGrpSpPr>
         <p:cNvPr id="1" name=""/>
@@ -10798,13 +11038,13 @@
   <p:clrMapOvr>
     <a:masterClrMapping/>
   </p:clrMapOvr>
-  <mc:AlternateContent xmlns:mc="http://schemas.openxmlformats.org/markup-compatibility/2006">
-    <mc:Choice xmlns:p14="http://schemas.microsoft.com/office/powerpoint/2010/main" Requires="p14">
+  <mc:AlternateContent xmlns:mc="http://schemas.openxmlformats.org/markup-compatibility/2006" xmlns:p14="http://schemas.microsoft.com/office/powerpoint/2010/main">
+    <mc:Choice Requires="p14">
       <p:transition spd="med" p14:dur="700">
         <p:fade/>
       </p:transition>
     </mc:Choice>
-    <mc:Fallback>
+    <mc:Fallback xmlns="">
       <p:transition spd="med">
         <p:fade/>
       </p:transition>
@@ -10816,6 +11056,20 @@
 <file path=ppt/slides/slide5.xml><?xml version="1.0" encoding="utf-8"?>
 <p:sld xmlns:a="http://schemas.openxmlformats.org/drawingml/2006/main" xmlns:r="http://schemas.openxmlformats.org/officeDocument/2006/relationships" xmlns:p="http://schemas.openxmlformats.org/presentationml/2006/main">
   <p:cSld>
+    <p:bg>
+      <p:bgPr>
+        <a:blipFill dpi="0" rotWithShape="1">
+          <a:blip r:embed="rId2">
+            <a:lum/>
+          </a:blip>
+          <a:srcRect/>
+          <a:stretch>
+            <a:fillRect/>
+          </a:stretch>
+        </a:blipFill>
+        <a:effectLst/>
+      </p:bgPr>
+    </p:bg>
     <p:spTree>
       <p:nvGrpSpPr>
         <p:cNvPr id="1" name=""/>
@@ -10893,13 +11147,13 @@
   <p:clrMapOvr>
     <a:masterClrMapping/>
   </p:clrMapOvr>
-  <mc:AlternateContent xmlns:mc="http://schemas.openxmlformats.org/markup-compatibility/2006">
-    <mc:Choice xmlns:p14="http://schemas.microsoft.com/office/powerpoint/2010/main" Requires="p14">
+  <mc:AlternateContent xmlns:mc="http://schemas.openxmlformats.org/markup-compatibility/2006" xmlns:p14="http://schemas.microsoft.com/office/powerpoint/2010/main">
+    <mc:Choice Requires="p14">
       <p:transition spd="med" p14:dur="700">
         <p:fade/>
       </p:transition>
     </mc:Choice>
-    <mc:Fallback>
+    <mc:Fallback xmlns="">
       <p:transition spd="med">
         <p:fade/>
       </p:transition>
@@ -11284,13 +11538,13 @@
   <p:clrMapOvr>
     <a:masterClrMapping/>
   </p:clrMapOvr>
-  <mc:AlternateContent xmlns:mc="http://schemas.openxmlformats.org/markup-compatibility/2006">
-    <mc:Choice xmlns:p14="http://schemas.microsoft.com/office/powerpoint/2010/main" Requires="p14">
+  <mc:AlternateContent xmlns:mc="http://schemas.openxmlformats.org/markup-compatibility/2006" xmlns:p14="http://schemas.microsoft.com/office/powerpoint/2010/main">
+    <mc:Choice Requires="p14">
       <p:transition spd="med" p14:dur="700">
         <p:fade/>
       </p:transition>
     </mc:Choice>
-    <mc:Fallback>
+    <mc:Fallback xmlns="">
       <p:transition spd="med">
         <p:fade/>
       </p:transition>
@@ -11302,6 +11556,20 @@
 <file path=ppt/slides/slide7.xml><?xml version="1.0" encoding="utf-8"?>
 <p:sld xmlns:a="http://schemas.openxmlformats.org/drawingml/2006/main" xmlns:r="http://schemas.openxmlformats.org/officeDocument/2006/relationships" xmlns:p="http://schemas.openxmlformats.org/presentationml/2006/main">
   <p:cSld>
+    <p:bg>
+      <p:bgPr>
+        <a:blipFill dpi="0" rotWithShape="1">
+          <a:blip r:embed="rId2">
+            <a:lum/>
+          </a:blip>
+          <a:srcRect/>
+          <a:stretch>
+            <a:fillRect/>
+          </a:stretch>
+        </a:blipFill>
+        <a:effectLst/>
+      </p:bgPr>
+    </p:bg>
     <p:spTree>
       <p:nvGrpSpPr>
         <p:cNvPr id="1" name=""/>
@@ -11779,13 +12047,13 @@
   <p:clrMapOvr>
     <a:masterClrMapping/>
   </p:clrMapOvr>
-  <mc:AlternateContent xmlns:mc="http://schemas.openxmlformats.org/markup-compatibility/2006">
-    <mc:Choice xmlns:p14="http://schemas.microsoft.com/office/powerpoint/2010/main" Requires="p14">
+  <mc:AlternateContent xmlns:mc="http://schemas.openxmlformats.org/markup-compatibility/2006" xmlns:p14="http://schemas.microsoft.com/office/powerpoint/2010/main">
+    <mc:Choice Requires="p14">
       <p:transition spd="med" p14:dur="700">
         <p:fade/>
       </p:transition>
     </mc:Choice>
-    <mc:Fallback>
+    <mc:Fallback xmlns="">
       <p:transition spd="med">
         <p:fade/>
       </p:transition>
@@ -12195,13 +12463,13 @@
   <p:clrMapOvr>
     <a:masterClrMapping/>
   </p:clrMapOvr>
-  <mc:AlternateContent xmlns:mc="http://schemas.openxmlformats.org/markup-compatibility/2006">
-    <mc:Choice xmlns:p14="http://schemas.microsoft.com/office/powerpoint/2010/main" Requires="p14">
+  <mc:AlternateContent xmlns:mc="http://schemas.openxmlformats.org/markup-compatibility/2006" xmlns:p14="http://schemas.microsoft.com/office/powerpoint/2010/main">
+    <mc:Choice Requires="p14">
       <p:transition spd="med" p14:dur="700">
         <p:fade/>
       </p:transition>
     </mc:Choice>
-    <mc:Fallback>
+    <mc:Fallback xmlns="">
       <p:transition spd="med">
         <p:fade/>
       </p:transition>
@@ -12213,6 +12481,20 @@
 <file path=ppt/slides/slide9.xml><?xml version="1.0" encoding="utf-8"?>
 <p:sld xmlns:a="http://schemas.openxmlformats.org/drawingml/2006/main" xmlns:r="http://schemas.openxmlformats.org/officeDocument/2006/relationships" xmlns:p="http://schemas.openxmlformats.org/presentationml/2006/main">
   <p:cSld>
+    <p:bg>
+      <p:bgPr>
+        <a:blipFill dpi="0" rotWithShape="1">
+          <a:blip r:embed="rId2">
+            <a:lum/>
+          </a:blip>
+          <a:srcRect/>
+          <a:stretch>
+            <a:fillRect/>
+          </a:stretch>
+        </a:blipFill>
+        <a:effectLst/>
+      </p:bgPr>
+    </p:bg>
     <p:spTree>
       <p:nvGrpSpPr>
         <p:cNvPr id="1" name=""/>
@@ -12290,13 +12572,13 @@
   <p:clrMapOvr>
     <a:masterClrMapping/>
   </p:clrMapOvr>
-  <mc:AlternateContent xmlns:mc="http://schemas.openxmlformats.org/markup-compatibility/2006">
-    <mc:Choice xmlns:p14="http://schemas.microsoft.com/office/powerpoint/2010/main" Requires="p14">
+  <mc:AlternateContent xmlns:mc="http://schemas.openxmlformats.org/markup-compatibility/2006" xmlns:p14="http://schemas.microsoft.com/office/powerpoint/2010/main">
+    <mc:Choice Requires="p14">
       <p:transition spd="med" p14:dur="700">
         <p:fade/>
       </p:transition>
     </mc:Choice>
-    <mc:Fallback>
+    <mc:Fallback xmlns="">
       <p:transition spd="med">
         <p:fade/>
       </p:transition>
@@ -12621,6 +12903,23 @@
 </file>
 
 <file path=customXml/item1.xml><?xml version="1.0" encoding="utf-8"?>
+<?mso-contentType ?>
+<FormTemplates xmlns="http://schemas.microsoft.com/sharepoint/v3/contenttype/forms">
+  <Display>DocumentLibraryForm</Display>
+  <Edit>DocumentLibraryForm</Edit>
+  <New>DocumentLibraryForm</New>
+</FormTemplates>
+</file>
+
+<file path=customXml/item2.xml><?xml version="1.0" encoding="utf-8"?>
+<p:properties xmlns:p="http://schemas.microsoft.com/office/2006/metadata/properties" xmlns:xsi="http://www.w3.org/2001/XMLSchema-instance" xmlns:pc="http://schemas.microsoft.com/office/infopath/2007/PartnerControls">
+  <documentManagement>
+    <_activity xmlns="0ec21670-e184-4851-b236-8d05d50b5085" xsi:nil="true"/>
+  </documentManagement>
+</p:properties>
+</file>
+
+<file path=customXml/item3.xml><?xml version="1.0" encoding="utf-8"?>
 <ct:contentTypeSchema xmlns:ct="http://schemas.microsoft.com/office/2006/metadata/contentType" xmlns:ma="http://schemas.microsoft.com/office/2006/metadata/properties/metaAttributes" ct:_="" ma:_="" ma:contentTypeName="Document" ma:contentTypeID="0x0101003DCFD9B3BD4D6A4683E81FB4044B6873" ma:contentTypeVersion="8" ma:contentTypeDescription="Create a new document." ma:contentTypeScope="" ma:versionID="966be01fed05bb791cbb0bc412ba3278">
   <xsd:schema xmlns:xsd="http://www.w3.org/2001/XMLSchema" xmlns:xs="http://www.w3.org/2001/XMLSchema" xmlns:p="http://schemas.microsoft.com/office/2006/metadata/properties" xmlns:ns3="0ec21670-e184-4851-b236-8d05d50b5085" xmlns:ns4="06e83204-0f96-44d6-87a2-fac04d576e6a" targetNamespace="http://schemas.microsoft.com/office/2006/metadata/properties" ma:root="true" ma:fieldsID="81a4dda7b42f590c3bf2a5ce6570248e" ns3:_="" ns4:_="">
     <xsd:import namespace="0ec21670-e184-4851-b236-8d05d50b5085"/>
@@ -12809,24 +13108,32 @@
 </ct:contentTypeSchema>
 </file>
 
-<file path=customXml/item2.xml><?xml version="1.0" encoding="utf-8"?>
-<?mso-contentType ?>
-<FormTemplates xmlns="http://schemas.microsoft.com/sharepoint/v3/contenttype/forms">
-  <Display>DocumentLibraryForm</Display>
-  <Edit>DocumentLibraryForm</Edit>
-  <New>DocumentLibraryForm</New>
-</FormTemplates>
+<file path=customXml/itemProps1.xml><?xml version="1.0" encoding="utf-8"?>
+<ds:datastoreItem xmlns:ds="http://schemas.openxmlformats.org/officeDocument/2006/customXml" ds:itemID="{E7428E81-26BE-4F81-8133-47644DA7C0D2}">
+  <ds:schemaRefs>
+    <ds:schemaRef ds:uri="http://schemas.microsoft.com/sharepoint/v3/contenttype/forms"/>
+  </ds:schemaRefs>
+</ds:datastoreItem>
 </file>
 
-<file path=customXml/item3.xml><?xml version="1.0" encoding="utf-8"?>
-<p:properties xmlns:p="http://schemas.microsoft.com/office/2006/metadata/properties" xmlns:xsi="http://www.w3.org/2001/XMLSchema-instance" xmlns:pc="http://schemas.microsoft.com/office/infopath/2007/PartnerControls">
-  <documentManagement>
-    <_activity xmlns="0ec21670-e184-4851-b236-8d05d50b5085" xsi:nil="true"/>
-  </documentManagement>
-</p:properties>
+<file path=customXml/itemProps2.xml><?xml version="1.0" encoding="utf-8"?>
+<ds:datastoreItem xmlns:ds="http://schemas.openxmlformats.org/officeDocument/2006/customXml" ds:itemID="{9BD4F2D7-77FF-4F3E-8308-AAF026E66507}">
+  <ds:schemaRefs>
+    <ds:schemaRef ds:uri="http://schemas.microsoft.com/office/2006/documentManagement/types"/>
+    <ds:schemaRef ds:uri="http://schemas.microsoft.com/office/infopath/2007/PartnerControls"/>
+    <ds:schemaRef ds:uri="http://schemas.microsoft.com/office/2006/metadata/properties"/>
+    <ds:schemaRef ds:uri="http://purl.org/dc/elements/1.1/"/>
+    <ds:schemaRef ds:uri="06e83204-0f96-44d6-87a2-fac04d576e6a"/>
+    <ds:schemaRef ds:uri="http://purl.org/dc/terms/"/>
+    <ds:schemaRef ds:uri="http://schemas.openxmlformats.org/package/2006/metadata/core-properties"/>
+    <ds:schemaRef ds:uri="0ec21670-e184-4851-b236-8d05d50b5085"/>
+    <ds:schemaRef ds:uri="http://www.w3.org/XML/1998/namespace"/>
+    <ds:schemaRef ds:uri="http://purl.org/dc/dcmitype/"/>
+  </ds:schemaRefs>
+</ds:datastoreItem>
 </file>
 
-<file path=customXml/itemProps1.xml><?xml version="1.0" encoding="utf-8"?>
+<file path=customXml/itemProps3.xml><?xml version="1.0" encoding="utf-8"?>
 <ds:datastoreItem xmlns:ds="http://schemas.openxmlformats.org/officeDocument/2006/customXml" ds:itemID="{1B9BB106-CB50-47DE-8D60-1A3E45830E2F}">
   <ds:schemaRefs>
     <ds:schemaRef ds:uri="http://schemas.microsoft.com/office/2006/metadata/contentType"/>
@@ -12843,29 +13150,4 @@
     <ds:schemaRef ds:uri="http://schemas.microsoft.com/internal/obd"/>
   </ds:schemaRefs>
 </ds:datastoreItem>
-</file>
-
-<file path=customXml/itemProps2.xml><?xml version="1.0" encoding="utf-8"?>
-<ds:datastoreItem xmlns:ds="http://schemas.openxmlformats.org/officeDocument/2006/customXml" ds:itemID="{E7428E81-26BE-4F81-8133-47644DA7C0D2}">
-  <ds:schemaRefs>
-    <ds:schemaRef ds:uri="http://schemas.microsoft.com/sharepoint/v3/contenttype/forms"/>
-  </ds:schemaRefs>
-</ds:datastoreItem>
-</file>
-
-<file path=customXml/itemProps3.xml><?xml version="1.0" encoding="utf-8"?>
-<ds:datastoreItem xmlns:ds="http://schemas.openxmlformats.org/officeDocument/2006/customXml" ds:itemID="{9BD4F2D7-77FF-4F3E-8308-AAF026E66507}">
-  <ds:schemaRefs>
-    <ds:schemaRef ds:uri="http://schemas.openxmlformats.org/package/2006/metadata/core-properties"/>
-    <ds:schemaRef ds:uri="06e83204-0f96-44d6-87a2-fac04d576e6a"/>
-    <ds:schemaRef ds:uri="http://www.w3.org/XML/1998/namespace"/>
-    <ds:schemaRef ds:uri="http://purl.org/dc/terms/"/>
-    <ds:schemaRef ds:uri="http://schemas.microsoft.com/office/2006/documentManagement/types"/>
-    <ds:schemaRef ds:uri="http://schemas.microsoft.com/office/2006/metadata/properties"/>
-    <ds:schemaRef ds:uri="0ec21670-e184-4851-b236-8d05d50b5085"/>
-    <ds:schemaRef ds:uri="http://purl.org/dc/dcmitype/"/>
-    <ds:schemaRef ds:uri="http://schemas.microsoft.com/office/infopath/2007/PartnerControls"/>
-    <ds:schemaRef ds:uri="http://purl.org/dc/elements/1.1/"/>
-  </ds:schemaRefs>
-</ds:datastoreItem>
 </file>